--- a/presentation.pptx
+++ b/presentation.pptx
@@ -1445,7 +1445,7 @@
           <a:bodyPr lIns="0" rIns="0" tIns="0" bIns="0"/>
           <a:p>
             <a:pPr algn="r"/>
-            <a:fld id="{D7E99091-C2AC-42AA-8222-E0AF35DE5CDF}" type="slidenum">
+            <a:fld id="{1E93FDC1-348A-4CBE-AA20-5A1BEAA289EE}" type="slidenum">
               <a:rPr lang="en-US" sz="1400">
                 <a:latin typeface="Times New Roman"/>
               </a:rPr>
@@ -1559,6 +1559,33 @@
       </p:sp>
     </p:spTree>
   </p:cSld>
+  <p:timing>
+    <p:tnLst>
+      <p:par>
+        <p:cTn id="1" dur="indefinite" restart="never" nodeType="tmRoot">
+          <p:childTnLst>
+            <p:seq>
+              <p:cTn id="2" nodeType="mainSeq"/>
+              <p:prevCondLst>
+                <p:cond delay="0" evt="onPrev">
+                  <p:tgtEl>
+                    <p:sldTgt/>
+                  </p:tgtEl>
+                </p:cond>
+              </p:prevCondLst>
+              <p:nextCondLst>
+                <p:cond delay="0" evt="onNext">
+                  <p:tgtEl>
+                    <p:sldTgt/>
+                  </p:tgtEl>
+                </p:cond>
+              </p:nextCondLst>
+            </p:seq>
+          </p:childTnLst>
+        </p:cTn>
+      </p:par>
+    </p:tnLst>
+  </p:timing>
 </p:sld>
 </file>
 
@@ -1637,6 +1664,33 @@
       </p:sp>
     </p:spTree>
   </p:cSld>
+  <p:timing>
+    <p:tnLst>
+      <p:par>
+        <p:cTn id="19" dur="indefinite" restart="never" nodeType="tmRoot">
+          <p:childTnLst>
+            <p:seq>
+              <p:cTn id="20" nodeType="mainSeq"/>
+              <p:prevCondLst>
+                <p:cond delay="0" evt="onPrev">
+                  <p:tgtEl>
+                    <p:sldTgt/>
+                  </p:tgtEl>
+                </p:cond>
+              </p:prevCondLst>
+              <p:nextCondLst>
+                <p:cond delay="0" evt="onNext">
+                  <p:tgtEl>
+                    <p:sldTgt/>
+                  </p:tgtEl>
+                </p:cond>
+              </p:nextCondLst>
+            </p:seq>
+          </p:childTnLst>
+        </p:cTn>
+      </p:par>
+    </p:tnLst>
+  </p:timing>
 </p:sld>
 </file>
 
@@ -1721,6 +1775,33 @@
       </p:sp>
     </p:spTree>
   </p:cSld>
+  <p:timing>
+    <p:tnLst>
+      <p:par>
+        <p:cTn id="21" dur="indefinite" restart="never" nodeType="tmRoot">
+          <p:childTnLst>
+            <p:seq>
+              <p:cTn id="22" nodeType="mainSeq"/>
+              <p:prevCondLst>
+                <p:cond delay="0" evt="onPrev">
+                  <p:tgtEl>
+                    <p:sldTgt/>
+                  </p:tgtEl>
+                </p:cond>
+              </p:prevCondLst>
+              <p:nextCondLst>
+                <p:cond delay="0" evt="onNext">
+                  <p:tgtEl>
+                    <p:sldTgt/>
+                  </p:tgtEl>
+                </p:cond>
+              </p:nextCondLst>
+            </p:seq>
+          </p:childTnLst>
+        </p:cTn>
+      </p:par>
+    </p:tnLst>
+  </p:timing>
 </p:sld>
 </file>
 
@@ -1795,6 +1876,33 @@
       </p:sp>
     </p:spTree>
   </p:cSld>
+  <p:timing>
+    <p:tnLst>
+      <p:par>
+        <p:cTn id="23" dur="indefinite" restart="never" nodeType="tmRoot">
+          <p:childTnLst>
+            <p:seq>
+              <p:cTn id="24" nodeType="mainSeq"/>
+              <p:prevCondLst>
+                <p:cond delay="0" evt="onPrev">
+                  <p:tgtEl>
+                    <p:sldTgt/>
+                  </p:tgtEl>
+                </p:cond>
+              </p:prevCondLst>
+              <p:nextCondLst>
+                <p:cond delay="0" evt="onNext">
+                  <p:tgtEl>
+                    <p:sldTgt/>
+                  </p:tgtEl>
+                </p:cond>
+              </p:nextCondLst>
+            </p:seq>
+          </p:childTnLst>
+        </p:cTn>
+      </p:par>
+    </p:tnLst>
+  </p:timing>
 </p:sld>
 </file>
 
@@ -1879,6 +1987,33 @@
       </p:sp>
     </p:spTree>
   </p:cSld>
+  <p:timing>
+    <p:tnLst>
+      <p:par>
+        <p:cTn id="25" dur="indefinite" restart="never" nodeType="tmRoot">
+          <p:childTnLst>
+            <p:seq>
+              <p:cTn id="26" nodeType="mainSeq"/>
+              <p:prevCondLst>
+                <p:cond delay="0" evt="onPrev">
+                  <p:tgtEl>
+                    <p:sldTgt/>
+                  </p:tgtEl>
+                </p:cond>
+              </p:prevCondLst>
+              <p:nextCondLst>
+                <p:cond delay="0" evt="onNext">
+                  <p:tgtEl>
+                    <p:sldTgt/>
+                  </p:tgtEl>
+                </p:cond>
+              </p:nextCondLst>
+            </p:seq>
+          </p:childTnLst>
+        </p:cTn>
+      </p:par>
+    </p:tnLst>
+  </p:timing>
 </p:sld>
 </file>
 
@@ -1953,6 +2088,33 @@
       </p:sp>
     </p:spTree>
   </p:cSld>
+  <p:timing>
+    <p:tnLst>
+      <p:par>
+        <p:cTn id="27" dur="indefinite" restart="never" nodeType="tmRoot">
+          <p:childTnLst>
+            <p:seq>
+              <p:cTn id="28" nodeType="mainSeq"/>
+              <p:prevCondLst>
+                <p:cond delay="0" evt="onPrev">
+                  <p:tgtEl>
+                    <p:sldTgt/>
+                  </p:tgtEl>
+                </p:cond>
+              </p:prevCondLst>
+              <p:nextCondLst>
+                <p:cond delay="0" evt="onNext">
+                  <p:tgtEl>
+                    <p:sldTgt/>
+                  </p:tgtEl>
+                </p:cond>
+              </p:nextCondLst>
+            </p:seq>
+          </p:childTnLst>
+        </p:cTn>
+      </p:par>
+    </p:tnLst>
+  </p:timing>
 </p:sld>
 </file>
 
@@ -2037,6 +2199,33 @@
       </p:sp>
     </p:spTree>
   </p:cSld>
+  <p:timing>
+    <p:tnLst>
+      <p:par>
+        <p:cTn id="29" dur="indefinite" restart="never" nodeType="tmRoot">
+          <p:childTnLst>
+            <p:seq>
+              <p:cTn id="30" nodeType="mainSeq"/>
+              <p:prevCondLst>
+                <p:cond delay="0" evt="onPrev">
+                  <p:tgtEl>
+                    <p:sldTgt/>
+                  </p:tgtEl>
+                </p:cond>
+              </p:prevCondLst>
+              <p:nextCondLst>
+                <p:cond delay="0" evt="onNext">
+                  <p:tgtEl>
+                    <p:sldTgt/>
+                  </p:tgtEl>
+                </p:cond>
+              </p:nextCondLst>
+            </p:seq>
+          </p:childTnLst>
+        </p:cTn>
+      </p:par>
+    </p:tnLst>
+  </p:timing>
 </p:sld>
 </file>
 
@@ -2111,6 +2300,33 @@
       </p:sp>
     </p:spTree>
   </p:cSld>
+  <p:timing>
+    <p:tnLst>
+      <p:par>
+        <p:cTn id="31" dur="indefinite" restart="never" nodeType="tmRoot">
+          <p:childTnLst>
+            <p:seq>
+              <p:cTn id="32" nodeType="mainSeq"/>
+              <p:prevCondLst>
+                <p:cond delay="0" evt="onPrev">
+                  <p:tgtEl>
+                    <p:sldTgt/>
+                  </p:tgtEl>
+                </p:cond>
+              </p:prevCondLst>
+              <p:nextCondLst>
+                <p:cond delay="0" evt="onNext">
+                  <p:tgtEl>
+                    <p:sldTgt/>
+                  </p:tgtEl>
+                </p:cond>
+              </p:nextCondLst>
+            </p:seq>
+          </p:childTnLst>
+        </p:cTn>
+      </p:par>
+    </p:tnLst>
+  </p:timing>
 </p:sld>
 </file>
 
@@ -2195,6 +2411,33 @@
       </p:sp>
     </p:spTree>
   </p:cSld>
+  <p:timing>
+    <p:tnLst>
+      <p:par>
+        <p:cTn id="33" dur="indefinite" restart="never" nodeType="tmRoot">
+          <p:childTnLst>
+            <p:seq>
+              <p:cTn id="34" nodeType="mainSeq"/>
+              <p:prevCondLst>
+                <p:cond delay="0" evt="onPrev">
+                  <p:tgtEl>
+                    <p:sldTgt/>
+                  </p:tgtEl>
+                </p:cond>
+              </p:prevCondLst>
+              <p:nextCondLst>
+                <p:cond delay="0" evt="onNext">
+                  <p:tgtEl>
+                    <p:sldTgt/>
+                  </p:tgtEl>
+                </p:cond>
+              </p:nextCondLst>
+            </p:seq>
+          </p:childTnLst>
+        </p:cTn>
+      </p:par>
+    </p:tnLst>
+  </p:timing>
 </p:sld>
 </file>
 
@@ -2300,6 +2543,33 @@
       </p:sp>
     </p:spTree>
   </p:cSld>
+  <p:timing>
+    <p:tnLst>
+      <p:par>
+        <p:cTn id="3" dur="indefinite" restart="never" nodeType="tmRoot">
+          <p:childTnLst>
+            <p:seq>
+              <p:cTn id="4" nodeType="mainSeq"/>
+              <p:prevCondLst>
+                <p:cond delay="0" evt="onPrev">
+                  <p:tgtEl>
+                    <p:sldTgt/>
+                  </p:tgtEl>
+                </p:cond>
+              </p:prevCondLst>
+              <p:nextCondLst>
+                <p:cond delay="0" evt="onNext">
+                  <p:tgtEl>
+                    <p:sldTgt/>
+                  </p:tgtEl>
+                </p:cond>
+              </p:nextCondLst>
+            </p:seq>
+          </p:childTnLst>
+        </p:cTn>
+      </p:par>
+    </p:tnLst>
+  </p:timing>
 </p:sld>
 </file>
 
@@ -2419,6 +2689,33 @@
       </p:sp>
     </p:spTree>
   </p:cSld>
+  <p:timing>
+    <p:tnLst>
+      <p:par>
+        <p:cTn id="5" dur="indefinite" restart="never" nodeType="tmRoot">
+          <p:childTnLst>
+            <p:seq>
+              <p:cTn id="6" nodeType="mainSeq"/>
+              <p:prevCondLst>
+                <p:cond delay="0" evt="onPrev">
+                  <p:tgtEl>
+                    <p:sldTgt/>
+                  </p:tgtEl>
+                </p:cond>
+              </p:prevCondLst>
+              <p:nextCondLst>
+                <p:cond delay="0" evt="onNext">
+                  <p:tgtEl>
+                    <p:sldTgt/>
+                  </p:tgtEl>
+                </p:cond>
+              </p:nextCondLst>
+            </p:seq>
+          </p:childTnLst>
+        </p:cTn>
+      </p:par>
+    </p:tnLst>
+  </p:timing>
 </p:sld>
 </file>
 
@@ -2493,6 +2790,33 @@
       </p:sp>
     </p:spTree>
   </p:cSld>
+  <p:timing>
+    <p:tnLst>
+      <p:par>
+        <p:cTn id="7" dur="indefinite" restart="never" nodeType="tmRoot">
+          <p:childTnLst>
+            <p:seq>
+              <p:cTn id="8" nodeType="mainSeq"/>
+              <p:prevCondLst>
+                <p:cond delay="0" evt="onPrev">
+                  <p:tgtEl>
+                    <p:sldTgt/>
+                  </p:tgtEl>
+                </p:cond>
+              </p:prevCondLst>
+              <p:nextCondLst>
+                <p:cond delay="0" evt="onNext">
+                  <p:tgtEl>
+                    <p:sldTgt/>
+                  </p:tgtEl>
+                </p:cond>
+              </p:nextCondLst>
+            </p:seq>
+          </p:childTnLst>
+        </p:cTn>
+      </p:par>
+    </p:tnLst>
+  </p:timing>
 </p:sld>
 </file>
 
@@ -2605,6 +2929,33 @@
       </p:sp>
     </p:spTree>
   </p:cSld>
+  <p:timing>
+    <p:tnLst>
+      <p:par>
+        <p:cTn id="9" dur="indefinite" restart="never" nodeType="tmRoot">
+          <p:childTnLst>
+            <p:seq>
+              <p:cTn id="10" nodeType="mainSeq"/>
+              <p:prevCondLst>
+                <p:cond delay="0" evt="onPrev">
+                  <p:tgtEl>
+                    <p:sldTgt/>
+                  </p:tgtEl>
+                </p:cond>
+              </p:prevCondLst>
+              <p:nextCondLst>
+                <p:cond delay="0" evt="onNext">
+                  <p:tgtEl>
+                    <p:sldTgt/>
+                  </p:tgtEl>
+                </p:cond>
+              </p:nextCondLst>
+            </p:seq>
+          </p:childTnLst>
+        </p:cTn>
+      </p:par>
+    </p:tnLst>
+  </p:timing>
 </p:sld>
 </file>
 
@@ -2731,6 +3082,33 @@
       </p:sp>
     </p:spTree>
   </p:cSld>
+  <p:timing>
+    <p:tnLst>
+      <p:par>
+        <p:cTn id="11" dur="indefinite" restart="never" nodeType="tmRoot">
+          <p:childTnLst>
+            <p:seq>
+              <p:cTn id="12" nodeType="mainSeq"/>
+              <p:prevCondLst>
+                <p:cond delay="0" evt="onPrev">
+                  <p:tgtEl>
+                    <p:sldTgt/>
+                  </p:tgtEl>
+                </p:cond>
+              </p:prevCondLst>
+              <p:nextCondLst>
+                <p:cond delay="0" evt="onNext">
+                  <p:tgtEl>
+                    <p:sldTgt/>
+                  </p:tgtEl>
+                </p:cond>
+              </p:nextCondLst>
+            </p:seq>
+          </p:childTnLst>
+        </p:cTn>
+      </p:par>
+    </p:tnLst>
+  </p:timing>
 </p:sld>
 </file>
 
@@ -2911,6 +3289,33 @@
       </p:sp>
     </p:spTree>
   </p:cSld>
+  <p:timing>
+    <p:tnLst>
+      <p:par>
+        <p:cTn id="13" dur="indefinite" restart="never" nodeType="tmRoot">
+          <p:childTnLst>
+            <p:seq>
+              <p:cTn id="14" nodeType="mainSeq"/>
+              <p:prevCondLst>
+                <p:cond delay="0" evt="onPrev">
+                  <p:tgtEl>
+                    <p:sldTgt/>
+                  </p:tgtEl>
+                </p:cond>
+              </p:prevCondLst>
+              <p:nextCondLst>
+                <p:cond delay="0" evt="onNext">
+                  <p:tgtEl>
+                    <p:sldTgt/>
+                  </p:tgtEl>
+                </p:cond>
+              </p:nextCondLst>
+            </p:seq>
+          </p:childTnLst>
+        </p:cTn>
+      </p:par>
+    </p:tnLst>
+  </p:timing>
 </p:sld>
 </file>
 
@@ -2985,6 +3390,33 @@
       </p:sp>
     </p:spTree>
   </p:cSld>
+  <p:timing>
+    <p:tnLst>
+      <p:par>
+        <p:cTn id="15" dur="indefinite" restart="never" nodeType="tmRoot">
+          <p:childTnLst>
+            <p:seq>
+              <p:cTn id="16" nodeType="mainSeq"/>
+              <p:prevCondLst>
+                <p:cond delay="0" evt="onPrev">
+                  <p:tgtEl>
+                    <p:sldTgt/>
+                  </p:tgtEl>
+                </p:cond>
+              </p:prevCondLst>
+              <p:nextCondLst>
+                <p:cond delay="0" evt="onNext">
+                  <p:tgtEl>
+                    <p:sldTgt/>
+                  </p:tgtEl>
+                </p:cond>
+              </p:nextCondLst>
+            </p:seq>
+          </p:childTnLst>
+        </p:cTn>
+      </p:par>
+    </p:tnLst>
+  </p:timing>
 </p:sld>
 </file>
 
@@ -3065,10 +3497,51 @@
             </a:r>
             <a:endParaRPr/>
           </a:p>
+          <a:p>
+            <a:pPr>
+              <a:buSzPct val="45000"/>
+              <a:buFont typeface="StarSymbol"/>
+              <a:buChar char=""/>
+            </a:pPr>
+            <a:r>
+              <a:rPr lang="en-US" sz="3200">
+                <a:latin typeface="Arial"/>
+              </a:rPr>
+              <a:t>WordNet database – synsets from lemma / word_id</a:t>
+            </a:r>
+            <a:endParaRPr/>
+          </a:p>
         </p:txBody>
       </p:sp>
     </p:spTree>
   </p:cSld>
+  <p:timing>
+    <p:tnLst>
+      <p:par>
+        <p:cTn id="17" dur="indefinite" restart="never" nodeType="tmRoot">
+          <p:childTnLst>
+            <p:seq>
+              <p:cTn id="18" nodeType="mainSeq"/>
+              <p:prevCondLst>
+                <p:cond delay="0" evt="onPrev">
+                  <p:tgtEl>
+                    <p:sldTgt/>
+                  </p:tgtEl>
+                </p:cond>
+              </p:prevCondLst>
+              <p:nextCondLst>
+                <p:cond delay="0" evt="onNext">
+                  <p:tgtEl>
+                    <p:sldTgt/>
+                  </p:tgtEl>
+                </p:cond>
+              </p:nextCondLst>
+            </p:seq>
+          </p:childTnLst>
+        </p:cTn>
+      </p:par>
+    </p:tnLst>
+  </p:timing>
 </p:sld>
 </file>
 

--- a/presentation.pptx
+++ b/presentation.pptx
@@ -22,6 +22,8 @@
     <p:sldId id="270" r:id="rId17"/>
     <p:sldId id="271" r:id="rId18"/>
     <p:sldId id="272" r:id="rId19"/>
+    <p:sldId id="273" r:id="rId20"/>
+    <p:sldId id="274" r:id="rId21"/>
   </p:sldIdLst>
   <p:sldSz cx="10080625" cy="7559675"/>
   <p:notesSz cx="7772400" cy="10058400"/>
@@ -1445,7 +1447,7 @@
           <a:bodyPr lIns="0" rIns="0" tIns="0" bIns="0"/>
           <a:p>
             <a:pPr algn="r"/>
-            <a:fld id="{1E93FDC1-348A-4CBE-AA20-5A1BEAA289EE}" type="slidenum">
+            <a:fld id="{9662B7D3-CE35-4928-AF3C-02218282663D}" type="slidenum">
               <a:rPr lang="en-US" sz="1400">
                 <a:latin typeface="Times New Roman"/>
               </a:rPr>
@@ -1625,6 +1627,12 @@
           <a:bodyPr lIns="0" rIns="0" tIns="0" bIns="0" anchor="ctr"/>
           <a:p>
             <a:pPr algn="ctr"/>
+            <a:r>
+              <a:rPr lang="en-US" sz="4400">
+                <a:latin typeface="Arial"/>
+              </a:rPr>
+              <a:t>Data</a:t>
+            </a:r>
             <a:endParaRPr/>
           </a:p>
         </p:txBody>
@@ -1637,26 +1645,82 @@
         </p:nvSpPr>
         <p:spPr>
           <a:xfrm>
-            <a:off x="504000" y="301320"/>
-            <a:ext cx="9071640" cy="5851800"/>
-          </a:xfrm>
-          <a:prstGeom prst="rect">
-            <a:avLst/>
-          </a:prstGeom>
-        </p:spPr>
-        <p:txBody>
-          <a:bodyPr lIns="0" rIns="0" tIns="0" bIns="0" anchor="ctr"/>
-          <a:p>
-            <a:pPr algn="ctr"/>
-            <a:endParaRPr/>
-          </a:p>
-          <a:p>
-            <a:pPr algn="ctr"/>
-            <a:r>
-              <a:rPr lang="en-US" sz="4800">
-                <a:latin typeface="Arial"/>
-              </a:rPr>
-              <a:t>Analyses</a:t>
+            <a:off x="504000" y="1769040"/>
+            <a:ext cx="9071640" cy="4384440"/>
+          </a:xfrm>
+          <a:prstGeom prst="rect">
+            <a:avLst/>
+          </a:prstGeom>
+        </p:spPr>
+        <p:txBody>
+          <a:bodyPr lIns="0" rIns="0" tIns="0" bIns="0"/>
+          <a:p>
+            <a:pPr>
+              <a:buSzPct val="45000"/>
+              <a:buFont typeface="StarSymbol"/>
+              <a:buChar char=""/>
+            </a:pPr>
+            <a:r>
+              <a:rPr lang="en-US" sz="3200">
+                <a:latin typeface="Arial"/>
+              </a:rPr>
+              <a:t>We have data...</a:t>
+            </a:r>
+            <a:endParaRPr/>
+          </a:p>
+          <a:p>
+            <a:pPr>
+              <a:buSzPct val="45000"/>
+              <a:buFont typeface="StarSymbol"/>
+              <a:buChar char=""/>
+            </a:pPr>
+            <a:r>
+              <a:rPr lang="en-US" sz="3200">
+                <a:latin typeface="Arial"/>
+              </a:rPr>
+              <a:t>WordNet database – synsets from lemma / word_id</a:t>
+            </a:r>
+            <a:endParaRPr/>
+          </a:p>
+          <a:p>
+            <a:pPr>
+              <a:buSzPct val="45000"/>
+              <a:buFont typeface="StarSymbol"/>
+              <a:buChar char=""/>
+            </a:pPr>
+            <a:r>
+              <a:rPr lang="en-US" sz="3200">
+                <a:latin typeface="Arial"/>
+              </a:rPr>
+              <a:t>Wikipedia</a:t>
+            </a:r>
+            <a:endParaRPr/>
+          </a:p>
+          <a:p>
+            <a:pPr>
+              <a:buSzPct val="45000"/>
+              <a:buFont typeface="StarSymbol"/>
+              <a:buChar char=""/>
+            </a:pPr>
+            <a:r>
+              <a:rPr lang="en-US" sz="3200">
+                <a:latin typeface="Arial"/>
+              </a:rPr>
+              <a:t>Pre-trained vectors for baseline and comparison</a:t>
+            </a:r>
+            <a:endParaRPr/>
+          </a:p>
+          <a:p>
+            <a:pPr lvl="1">
+              <a:buSzPct val="75000"/>
+              <a:buFont typeface="StarSymbol"/>
+              <a:buChar char=""/>
+            </a:pPr>
+            <a:r>
+              <a:rPr lang="en-US" sz="2800">
+                <a:latin typeface="Arial"/>
+              </a:rPr>
+              <a:t>Google News</a:t>
             </a:r>
             <a:endParaRPr/>
           </a:p>
@@ -1730,12 +1794,6 @@
           <a:bodyPr lIns="0" rIns="0" tIns="0" bIns="0" anchor="ctr"/>
           <a:p>
             <a:pPr algn="ctr"/>
-            <a:r>
-              <a:rPr lang="en-US" sz="4400">
-                <a:latin typeface="Arial"/>
-              </a:rPr>
-              <a:t>Analyses</a:t>
-            </a:r>
             <a:endParaRPr/>
           </a:p>
         </p:txBody>
@@ -1748,26 +1806,26 @@
         </p:nvSpPr>
         <p:spPr>
           <a:xfrm>
-            <a:off x="504000" y="1769040"/>
-            <a:ext cx="9071640" cy="4384440"/>
-          </a:xfrm>
-          <a:prstGeom prst="rect">
-            <a:avLst/>
-          </a:prstGeom>
-        </p:spPr>
-        <p:txBody>
-          <a:bodyPr lIns="0" rIns="0" tIns="0" bIns="0"/>
-          <a:p>
-            <a:pPr>
-              <a:buSzPct val="45000"/>
-              <a:buFont typeface="StarSymbol"/>
-              <a:buChar char=""/>
-            </a:pPr>
-            <a:r>
-              <a:rPr lang="en-US" sz="3200">
-                <a:latin typeface="Arial"/>
-              </a:rPr>
-              <a:t>We thought about stuff...</a:t>
+            <a:off x="504000" y="301320"/>
+            <a:ext cx="9071640" cy="5851800"/>
+          </a:xfrm>
+          <a:prstGeom prst="rect">
+            <a:avLst/>
+          </a:prstGeom>
+        </p:spPr>
+        <p:txBody>
+          <a:bodyPr lIns="0" rIns="0" tIns="0" bIns="0" anchor="ctr"/>
+          <a:p>
+            <a:pPr algn="ctr"/>
+            <a:endParaRPr/>
+          </a:p>
+          <a:p>
+            <a:pPr algn="ctr"/>
+            <a:r>
+              <a:rPr lang="en-US" sz="4800">
+                <a:latin typeface="Arial"/>
+              </a:rPr>
+              <a:t>Analyses</a:t>
             </a:r>
             <a:endParaRPr/>
           </a:p>
@@ -1841,6 +1899,12 @@
           <a:bodyPr lIns="0" rIns="0" tIns="0" bIns="0" anchor="ctr"/>
           <a:p>
             <a:pPr algn="ctr"/>
+            <a:r>
+              <a:rPr lang="en-US" sz="4400">
+                <a:latin typeface="Arial"/>
+              </a:rPr>
+              <a:t>Analyses</a:t>
+            </a:r>
             <a:endParaRPr/>
           </a:p>
         </p:txBody>
@@ -1853,22 +1917,68 @@
         </p:nvSpPr>
         <p:spPr>
           <a:xfrm>
-            <a:off x="504000" y="301320"/>
-            <a:ext cx="9071640" cy="5851800"/>
-          </a:xfrm>
-          <a:prstGeom prst="rect">
-            <a:avLst/>
-          </a:prstGeom>
-        </p:spPr>
-        <p:txBody>
-          <a:bodyPr lIns="0" rIns="0" tIns="0" bIns="0" anchor="ctr"/>
-          <a:p>
-            <a:pPr algn="ctr"/>
-            <a:r>
-              <a:rPr lang="en-US" sz="4800">
-                <a:latin typeface="Arial"/>
-              </a:rPr>
-              <a:t>Results</a:t>
+            <a:off x="504000" y="1769040"/>
+            <a:ext cx="9071640" cy="4384440"/>
+          </a:xfrm>
+          <a:prstGeom prst="rect">
+            <a:avLst/>
+          </a:prstGeom>
+        </p:spPr>
+        <p:txBody>
+          <a:bodyPr lIns="0" rIns="0" tIns="0" bIns="0"/>
+          <a:p>
+            <a:pPr>
+              <a:buSzPct val="45000"/>
+              <a:buFont typeface="StarSymbol"/>
+              <a:buChar char=""/>
+            </a:pPr>
+            <a:r>
+              <a:rPr lang="en-US" sz="3200">
+                <a:latin typeface="Arial"/>
+              </a:rPr>
+              <a:t>We thought about stuff...</a:t>
+            </a:r>
+            <a:endParaRPr/>
+          </a:p>
+          <a:p>
+            <a:pPr>
+              <a:buSzPct val="45000"/>
+              <a:buFont typeface="StarSymbol"/>
+              <a:buChar char=""/>
+            </a:pPr>
+            <a:r>
+              <a:rPr lang="en-US" sz="3200">
+                <a:latin typeface="Arial"/>
+              </a:rPr>
+              <a:t>Performance of augmented vs unaugmented vectors</a:t>
+            </a:r>
+            <a:endParaRPr/>
+          </a:p>
+          <a:p>
+            <a:pPr>
+              <a:buSzPct val="45000"/>
+              <a:buFont typeface="StarSymbol"/>
+              <a:buChar char=""/>
+            </a:pPr>
+            <a:r>
+              <a:rPr lang="en-US" sz="3200">
+                <a:latin typeface="Arial"/>
+              </a:rPr>
+              <a:t>PCA on augmented vectors</a:t>
+            </a:r>
+            <a:endParaRPr/>
+          </a:p>
+          <a:p>
+            <a:pPr lvl="1">
+              <a:buSzPct val="75000"/>
+              <a:buFont typeface="StarSymbol"/>
+              <a:buChar char=""/>
+            </a:pPr>
+            <a:r>
+              <a:rPr lang="en-US" sz="2800">
+                <a:latin typeface="Arial"/>
+              </a:rPr>
+              <a:t>Compare variance captured w/ that from PCA on unaugmented? Vary size of subspace</a:t>
             </a:r>
             <a:endParaRPr/>
           </a:p>
@@ -1942,12 +2052,6 @@
           <a:bodyPr lIns="0" rIns="0" tIns="0" bIns="0" anchor="ctr"/>
           <a:p>
             <a:pPr algn="ctr"/>
-            <a:r>
-              <a:rPr lang="en-US" sz="4400">
-                <a:latin typeface="Arial"/>
-              </a:rPr>
-              <a:t>Results</a:t>
-            </a:r>
             <a:endParaRPr/>
           </a:p>
         </p:txBody>
@@ -1960,26 +2064,22 @@
         </p:nvSpPr>
         <p:spPr>
           <a:xfrm>
-            <a:off x="504000" y="1769040"/>
-            <a:ext cx="9071640" cy="4384440"/>
-          </a:xfrm>
-          <a:prstGeom prst="rect">
-            <a:avLst/>
-          </a:prstGeom>
-        </p:spPr>
-        <p:txBody>
-          <a:bodyPr lIns="0" rIns="0" tIns="0" bIns="0"/>
-          <a:p>
-            <a:pPr>
-              <a:buSzPct val="45000"/>
-              <a:buFont typeface="StarSymbol"/>
-              <a:buChar char=""/>
-            </a:pPr>
-            <a:r>
-              <a:rPr lang="en-US" sz="3200">
-                <a:latin typeface="Arial"/>
-              </a:rPr>
-              <a:t>Our thoughts produced things!</a:t>
+            <a:off x="504000" y="301320"/>
+            <a:ext cx="9071640" cy="5851800"/>
+          </a:xfrm>
+          <a:prstGeom prst="rect">
+            <a:avLst/>
+          </a:prstGeom>
+        </p:spPr>
+        <p:txBody>
+          <a:bodyPr lIns="0" rIns="0" tIns="0" bIns="0" anchor="ctr"/>
+          <a:p>
+            <a:pPr algn="ctr"/>
+            <a:r>
+              <a:rPr lang="en-US" sz="4800">
+                <a:latin typeface="Arial"/>
+              </a:rPr>
+              <a:t>Results</a:t>
             </a:r>
             <a:endParaRPr/>
           </a:p>
@@ -2053,6 +2153,12 @@
           <a:bodyPr lIns="0" rIns="0" tIns="0" bIns="0" anchor="ctr"/>
           <a:p>
             <a:pPr algn="ctr"/>
+            <a:r>
+              <a:rPr lang="en-US" sz="4400">
+                <a:latin typeface="Arial"/>
+              </a:rPr>
+              <a:t>Results</a:t>
+            </a:r>
             <a:endParaRPr/>
           </a:p>
         </p:txBody>
@@ -2065,22 +2171,26 @@
         </p:nvSpPr>
         <p:spPr>
           <a:xfrm>
-            <a:off x="504000" y="301320"/>
-            <a:ext cx="9071640" cy="5851800"/>
-          </a:xfrm>
-          <a:prstGeom prst="rect">
-            <a:avLst/>
-          </a:prstGeom>
-        </p:spPr>
-        <p:txBody>
-          <a:bodyPr lIns="0" rIns="0" tIns="0" bIns="0" anchor="ctr"/>
-          <a:p>
-            <a:pPr algn="ctr"/>
-            <a:r>
-              <a:rPr lang="en-US" sz="4800">
-                <a:latin typeface="Arial"/>
-              </a:rPr>
-              <a:t>Discussion</a:t>
+            <a:off x="504000" y="1769040"/>
+            <a:ext cx="9071640" cy="4384440"/>
+          </a:xfrm>
+          <a:prstGeom prst="rect">
+            <a:avLst/>
+          </a:prstGeom>
+        </p:spPr>
+        <p:txBody>
+          <a:bodyPr lIns="0" rIns="0" tIns="0" bIns="0"/>
+          <a:p>
+            <a:pPr>
+              <a:buSzPct val="45000"/>
+              <a:buFont typeface="StarSymbol"/>
+              <a:buChar char=""/>
+            </a:pPr>
+            <a:r>
+              <a:rPr lang="en-US" sz="3200">
+                <a:latin typeface="Arial"/>
+              </a:rPr>
+              <a:t>Our thoughts produced things!</a:t>
             </a:r>
             <a:endParaRPr/>
           </a:p>
@@ -2154,12 +2264,6 @@
           <a:bodyPr lIns="0" rIns="0" tIns="0" bIns="0" anchor="ctr"/>
           <a:p>
             <a:pPr algn="ctr"/>
-            <a:r>
-              <a:rPr lang="en-US" sz="4400">
-                <a:latin typeface="Arial"/>
-              </a:rPr>
-              <a:t>Discussion</a:t>
-            </a:r>
             <a:endParaRPr/>
           </a:p>
         </p:txBody>
@@ -2172,26 +2276,22 @@
         </p:nvSpPr>
         <p:spPr>
           <a:xfrm>
-            <a:off x="504000" y="1769040"/>
-            <a:ext cx="9071640" cy="4384440"/>
-          </a:xfrm>
-          <a:prstGeom prst="rect">
-            <a:avLst/>
-          </a:prstGeom>
-        </p:spPr>
-        <p:txBody>
-          <a:bodyPr lIns="0" rIns="0" tIns="0" bIns="0"/>
-          <a:p>
-            <a:pPr>
-              <a:buSzPct val="45000"/>
-              <a:buFont typeface="StarSymbol"/>
-              <a:buChar char=""/>
-            </a:pPr>
-            <a:r>
-              <a:rPr lang="en-US" sz="3200">
-                <a:latin typeface="Arial"/>
-              </a:rPr>
-              <a:t>Those things could mean...</a:t>
+            <a:off x="504000" y="301320"/>
+            <a:ext cx="9071640" cy="5851800"/>
+          </a:xfrm>
+          <a:prstGeom prst="rect">
+            <a:avLst/>
+          </a:prstGeom>
+        </p:spPr>
+        <p:txBody>
+          <a:bodyPr lIns="0" rIns="0" tIns="0" bIns="0" anchor="ctr"/>
+          <a:p>
+            <a:pPr algn="ctr"/>
+            <a:r>
+              <a:rPr lang="en-US" sz="4800">
+                <a:latin typeface="Arial"/>
+              </a:rPr>
+              <a:t>Discussion</a:t>
             </a:r>
             <a:endParaRPr/>
           </a:p>
@@ -2265,6 +2365,12 @@
           <a:bodyPr lIns="0" rIns="0" tIns="0" bIns="0" anchor="ctr"/>
           <a:p>
             <a:pPr algn="ctr"/>
+            <a:r>
+              <a:rPr lang="en-US" sz="4400">
+                <a:latin typeface="Arial"/>
+              </a:rPr>
+              <a:t>Discussion</a:t>
+            </a:r>
             <a:endParaRPr/>
           </a:p>
         </p:txBody>
@@ -2277,22 +2383,26 @@
         </p:nvSpPr>
         <p:spPr>
           <a:xfrm>
-            <a:off x="504000" y="301320"/>
-            <a:ext cx="9071640" cy="5851800"/>
-          </a:xfrm>
-          <a:prstGeom prst="rect">
-            <a:avLst/>
-          </a:prstGeom>
-        </p:spPr>
-        <p:txBody>
-          <a:bodyPr lIns="0" rIns="0" tIns="0" bIns="0" anchor="ctr"/>
-          <a:p>
-            <a:pPr algn="ctr"/>
-            <a:r>
-              <a:rPr lang="en-US" sz="4800">
-                <a:latin typeface="Arial"/>
-              </a:rPr>
-              <a:t>Future Work</a:t>
+            <a:off x="504000" y="1769040"/>
+            <a:ext cx="9071640" cy="4384440"/>
+          </a:xfrm>
+          <a:prstGeom prst="rect">
+            <a:avLst/>
+          </a:prstGeom>
+        </p:spPr>
+        <p:txBody>
+          <a:bodyPr lIns="0" rIns="0" tIns="0" bIns="0"/>
+          <a:p>
+            <a:pPr>
+              <a:buSzPct val="45000"/>
+              <a:buFont typeface="StarSymbol"/>
+              <a:buChar char=""/>
+            </a:pPr>
+            <a:r>
+              <a:rPr lang="en-US" sz="3200">
+                <a:latin typeface="Arial"/>
+              </a:rPr>
+              <a:t>Those things could mean...</a:t>
             </a:r>
             <a:endParaRPr/>
           </a:p>
@@ -2366,12 +2476,6 @@
           <a:bodyPr lIns="0" rIns="0" tIns="0" bIns="0" anchor="ctr"/>
           <a:p>
             <a:pPr algn="ctr"/>
-            <a:r>
-              <a:rPr lang="en-US" sz="4400">
-                <a:latin typeface="Arial"/>
-              </a:rPr>
-              <a:t>Future Work</a:t>
-            </a:r>
             <a:endParaRPr/>
           </a:p>
         </p:txBody>
@@ -2384,26 +2488,22 @@
         </p:nvSpPr>
         <p:spPr>
           <a:xfrm>
-            <a:off x="504000" y="1769040"/>
-            <a:ext cx="9071640" cy="4384440"/>
-          </a:xfrm>
-          <a:prstGeom prst="rect">
-            <a:avLst/>
-          </a:prstGeom>
-        </p:spPr>
-        <p:txBody>
-          <a:bodyPr lIns="0" rIns="0" tIns="0" bIns="0"/>
-          <a:p>
-            <a:pPr>
-              <a:buSzPct val="45000"/>
-              <a:buFont typeface="StarSymbol"/>
-              <a:buChar char=""/>
-            </a:pPr>
-            <a:r>
-              <a:rPr lang="en-US" sz="3200">
-                <a:latin typeface="Arial"/>
-              </a:rPr>
-              <a:t>It'd be swell to investigate...</a:t>
+            <a:off x="504000" y="301320"/>
+            <a:ext cx="9071640" cy="5851800"/>
+          </a:xfrm>
+          <a:prstGeom prst="rect">
+            <a:avLst/>
+          </a:prstGeom>
+        </p:spPr>
+        <p:txBody>
+          <a:bodyPr lIns="0" rIns="0" tIns="0" bIns="0" anchor="ctr"/>
+          <a:p>
+            <a:pPr algn="ctr"/>
+            <a:r>
+              <a:rPr lang="en-US" sz="4800">
+                <a:latin typeface="Arial"/>
+              </a:rPr>
+              <a:t>Future Work</a:t>
             </a:r>
             <a:endParaRPr/>
           </a:p>
@@ -2418,6 +2518,320 @@
           <p:childTnLst>
             <p:seq>
               <p:cTn id="34" nodeType="mainSeq"/>
+              <p:prevCondLst>
+                <p:cond delay="0" evt="onPrev">
+                  <p:tgtEl>
+                    <p:sldTgt/>
+                  </p:tgtEl>
+                </p:cond>
+              </p:prevCondLst>
+              <p:nextCondLst>
+                <p:cond delay="0" evt="onNext">
+                  <p:tgtEl>
+                    <p:sldTgt/>
+                  </p:tgtEl>
+                </p:cond>
+              </p:nextCondLst>
+            </p:seq>
+          </p:childTnLst>
+        </p:cTn>
+      </p:par>
+    </p:tnLst>
+  </p:timing>
+</p:sld>
+</file>
+
+<file path=ppt/slides/slide18.xml><?xml version="1.0" encoding="utf-8"?>
+<p:sld xmlns:a="http://schemas.openxmlformats.org/drawingml/2006/main" xmlns:p="http://schemas.openxmlformats.org/presentationml/2006/main" xmlns:r="http://schemas.openxmlformats.org/officeDocument/2006/relationships">
+  <p:cSld>
+    <p:spTree>
+      <p:nvGrpSpPr>
+        <p:cNvPr id="1" name=""/>
+        <p:cNvGrpSpPr/>
+        <p:nvPr/>
+      </p:nvGrpSpPr>
+      <p:grpSpPr>
+        <a:xfrm>
+          <a:off x="0" y="0"/>
+          <a:ext cx="0" cy="0"/>
+          <a:chOff x="0" y="0"/>
+          <a:chExt cx="0" cy="0"/>
+        </a:xfrm>
+      </p:grpSpPr>
+      <p:sp>
+        <p:nvSpPr>
+          <p:cNvPr id="73" name="TextShape 1"/>
+          <p:cNvSpPr txBox="1"/>
+          <p:nvPr/>
+        </p:nvSpPr>
+        <p:spPr>
+          <a:xfrm>
+            <a:off x="504000" y="301320"/>
+            <a:ext cx="9071640" cy="1262160"/>
+          </a:xfrm>
+          <a:prstGeom prst="rect">
+            <a:avLst/>
+          </a:prstGeom>
+        </p:spPr>
+        <p:txBody>
+          <a:bodyPr lIns="0" rIns="0" tIns="0" bIns="0" anchor="ctr"/>
+          <a:p>
+            <a:pPr algn="ctr"/>
+            <a:r>
+              <a:rPr lang="en-US" sz="4400">
+                <a:latin typeface="Arial"/>
+              </a:rPr>
+              <a:t>Future Work</a:t>
+            </a:r>
+            <a:endParaRPr/>
+          </a:p>
+        </p:txBody>
+      </p:sp>
+      <p:sp>
+        <p:nvSpPr>
+          <p:cNvPr id="74" name="TextShape 2"/>
+          <p:cNvSpPr txBox="1"/>
+          <p:nvPr/>
+        </p:nvSpPr>
+        <p:spPr>
+          <a:xfrm>
+            <a:off x="504000" y="1769040"/>
+            <a:ext cx="9071640" cy="4384440"/>
+          </a:xfrm>
+          <a:prstGeom prst="rect">
+            <a:avLst/>
+          </a:prstGeom>
+        </p:spPr>
+        <p:txBody>
+          <a:bodyPr lIns="0" rIns="0" tIns="0" bIns="0"/>
+          <a:p>
+            <a:pPr>
+              <a:buSzPct val="45000"/>
+              <a:buFont typeface="StarSymbol"/>
+              <a:buChar char=""/>
+            </a:pPr>
+            <a:r>
+              <a:rPr lang="en-US" sz="3200">
+                <a:latin typeface="Arial"/>
+              </a:rPr>
+              <a:t>It'd be swell to investigate...</a:t>
+            </a:r>
+            <a:endParaRPr/>
+          </a:p>
+          <a:p>
+            <a:pPr>
+              <a:buSzPct val="45000"/>
+              <a:buFont typeface="StarSymbol"/>
+              <a:buChar char=""/>
+            </a:pPr>
+            <a:r>
+              <a:rPr lang="en-US" sz="3200">
+                <a:latin typeface="Arial"/>
+              </a:rPr>
+              <a:t>Multiview, shared representation</a:t>
+            </a:r>
+            <a:endParaRPr/>
+          </a:p>
+          <a:p>
+            <a:pPr lvl="1">
+              <a:buSzPct val="75000"/>
+              <a:buFont typeface="StarSymbol"/>
+              <a:buChar char=""/>
+            </a:pPr>
+            <a:r>
+              <a:rPr lang="en-US" sz="2800">
+                <a:latin typeface="Arial"/>
+              </a:rPr>
+              <a:t>WordNet / embeddings</a:t>
+            </a:r>
+            <a:endParaRPr/>
+          </a:p>
+        </p:txBody>
+      </p:sp>
+    </p:spTree>
+  </p:cSld>
+  <p:timing>
+    <p:tnLst>
+      <p:par>
+        <p:cTn id="35" dur="indefinite" restart="never" nodeType="tmRoot">
+          <p:childTnLst>
+            <p:seq>
+              <p:cTn id="36" nodeType="mainSeq"/>
+              <p:prevCondLst>
+                <p:cond delay="0" evt="onPrev">
+                  <p:tgtEl>
+                    <p:sldTgt/>
+                  </p:tgtEl>
+                </p:cond>
+              </p:prevCondLst>
+              <p:nextCondLst>
+                <p:cond delay="0" evt="onNext">
+                  <p:tgtEl>
+                    <p:sldTgt/>
+                  </p:tgtEl>
+                </p:cond>
+              </p:nextCondLst>
+            </p:seq>
+          </p:childTnLst>
+        </p:cTn>
+      </p:par>
+    </p:tnLst>
+  </p:timing>
+</p:sld>
+</file>
+
+<file path=ppt/slides/slide19.xml><?xml version="1.0" encoding="utf-8"?>
+<p:sld xmlns:a="http://schemas.openxmlformats.org/drawingml/2006/main" xmlns:p="http://schemas.openxmlformats.org/presentationml/2006/main" xmlns:r="http://schemas.openxmlformats.org/officeDocument/2006/relationships">
+  <p:cSld>
+    <p:spTree>
+      <p:nvGrpSpPr>
+        <p:cNvPr id="1" name=""/>
+        <p:cNvGrpSpPr/>
+        <p:nvPr/>
+      </p:nvGrpSpPr>
+      <p:grpSpPr>
+        <a:xfrm>
+          <a:off x="0" y="0"/>
+          <a:ext cx="0" cy="0"/>
+          <a:chOff x="0" y="0"/>
+          <a:chExt cx="0" cy="0"/>
+        </a:xfrm>
+      </p:grpSpPr>
+      <p:sp>
+        <p:nvSpPr>
+          <p:cNvPr id="75" name="TextShape 1"/>
+          <p:cNvSpPr txBox="1"/>
+          <p:nvPr/>
+        </p:nvSpPr>
+        <p:spPr>
+          <a:xfrm>
+            <a:off x="504000" y="301320"/>
+            <a:ext cx="9071640" cy="1262160"/>
+          </a:xfrm>
+          <a:prstGeom prst="rect">
+            <a:avLst/>
+          </a:prstGeom>
+        </p:spPr>
+        <p:txBody>
+          <a:bodyPr lIns="0" rIns="0" tIns="0" bIns="0" anchor="ctr"/>
+          <a:p>
+            <a:pPr algn="ctr"/>
+            <a:r>
+              <a:rPr lang="en-US" sz="4400">
+                <a:latin typeface="Arial"/>
+              </a:rPr>
+              <a:t>Bibliography</a:t>
+            </a:r>
+            <a:endParaRPr/>
+          </a:p>
+        </p:txBody>
+      </p:sp>
+      <p:sp>
+        <p:nvSpPr>
+          <p:cNvPr id="76" name="TextShape 2"/>
+          <p:cNvSpPr txBox="1"/>
+          <p:nvPr/>
+        </p:nvSpPr>
+        <p:spPr>
+          <a:xfrm>
+            <a:off x="504000" y="1769040"/>
+            <a:ext cx="9071640" cy="4384440"/>
+          </a:xfrm>
+          <a:prstGeom prst="rect">
+            <a:avLst/>
+          </a:prstGeom>
+        </p:spPr>
+        <p:txBody>
+          <a:bodyPr lIns="0" rIns="0" tIns="0" bIns="0"/>
+          <a:p>
+            <a:pPr>
+              <a:buFont typeface="StarSymbol"/>
+              <a:buAutoNum type="arabicParenR"/>
+            </a:pPr>
+            <a:r>
+              <a:rPr lang="en-US" sz="3200">
+                <a:latin typeface="Arial"/>
+              </a:rPr>
+              <a:t> </a:t>
+            </a:r>
+            <a:r>
+              <a:rPr lang="en-US" sz="3200">
+                <a:latin typeface="Arial"/>
+              </a:rPr>
+              <a:t>https://code.google.com/p/word2vec/</a:t>
+            </a:r>
+            <a:endParaRPr/>
+          </a:p>
+          <a:p>
+            <a:pPr>
+              <a:buFont typeface="StarSymbol"/>
+              <a:buAutoNum type="arabicParenR"/>
+            </a:pPr>
+            <a:r>
+              <a:rPr lang="en-US" sz="3200">
+                <a:latin typeface="Arial"/>
+              </a:rPr>
+              <a:t> </a:t>
+            </a:r>
+            <a:r>
+              <a:rPr lang="en-US" sz="3200">
+                <a:latin typeface="Arial"/>
+              </a:rPr>
+              <a:t>http://www-nlp.stanford.edu/~lmthang/data/papers/conll13_morpho.pdf</a:t>
+            </a:r>
+            <a:endParaRPr/>
+          </a:p>
+          <a:p>
+            <a:pPr>
+              <a:buFont typeface="StarSymbol"/>
+              <a:buAutoNum type="arabicParenR"/>
+            </a:pPr>
+            <a:r>
+              <a:rPr lang="en-US" sz="3200">
+                <a:latin typeface="Arial"/>
+              </a:rPr>
+              <a:t>http://web.stanford.edu/~jpennin/papers/glove.pdf</a:t>
+            </a:r>
+            <a:endParaRPr/>
+          </a:p>
+          <a:p>
+            <a:pPr>
+              <a:buFont typeface="StarSymbol"/>
+              <a:buAutoNum type="arabicParenR"/>
+            </a:pPr>
+            <a:r>
+              <a:rPr lang="en-US" sz="3200">
+                <a:latin typeface="Arial"/>
+              </a:rPr>
+              <a:t>http://cs229.stanford.edu/proj2013/DaoKellerBejnood-AlternateEquivalentSubstitutes.pdf</a:t>
+            </a:r>
+            <a:endParaRPr/>
+          </a:p>
+          <a:p>
+            <a:pPr>
+              <a:buFont typeface="StarSymbol"/>
+              <a:buAutoNum type="arabicParenR"/>
+            </a:pPr>
+            <a:endParaRPr/>
+          </a:p>
+          <a:p>
+            <a:pPr>
+              <a:buFont typeface="StarSymbol"/>
+              <a:buAutoNum type="arabicParenR"/>
+            </a:pPr>
+            <a:endParaRPr/>
+          </a:p>
+        </p:txBody>
+      </p:sp>
+    </p:spTree>
+  </p:cSld>
+  <p:timing>
+    <p:tnLst>
+      <p:par>
+        <p:cTn id="37" dur="indefinite" restart="never" nodeType="tmRoot">
+          <p:childTnLst>
+            <p:seq>
+              <p:cTn id="38" nodeType="mainSeq"/>
               <p:prevCondLst>
                 <p:cond delay="0" evt="onPrev">
                   <p:tgtEl>
@@ -3355,6 +3769,12 @@
           <a:bodyPr lIns="0" rIns="0" tIns="0" bIns="0" anchor="ctr"/>
           <a:p>
             <a:pPr algn="ctr"/>
+            <a:r>
+              <a:rPr lang="en-US" sz="4400">
+                <a:latin typeface="Arial"/>
+              </a:rPr>
+              <a:t>Motivation</a:t>
+            </a:r>
             <a:endParaRPr/>
           </a:p>
         </p:txBody>
@@ -3367,22 +3787,82 @@
         </p:nvSpPr>
         <p:spPr>
           <a:xfrm>
-            <a:off x="504000" y="301320"/>
-            <a:ext cx="9071640" cy="5851800"/>
-          </a:xfrm>
-          <a:prstGeom prst="rect">
-            <a:avLst/>
-          </a:prstGeom>
-        </p:spPr>
-        <p:txBody>
-          <a:bodyPr lIns="0" rIns="0" tIns="0" bIns="0" anchor="ctr"/>
-          <a:p>
-            <a:pPr algn="ctr"/>
-            <a:r>
-              <a:rPr lang="en-US" sz="4800">
-                <a:latin typeface="Arial"/>
-              </a:rPr>
-              <a:t>Data</a:t>
+            <a:off x="504000" y="1769040"/>
+            <a:ext cx="9071640" cy="4384440"/>
+          </a:xfrm>
+          <a:prstGeom prst="rect">
+            <a:avLst/>
+          </a:prstGeom>
+        </p:spPr>
+        <p:txBody>
+          <a:bodyPr lIns="0" rIns="0" tIns="0" bIns="0"/>
+          <a:p>
+            <a:pPr>
+              <a:buSzPct val="45000"/>
+              <a:buFont typeface="StarSymbol"/>
+              <a:buChar char=""/>
+            </a:pPr>
+            <a:r>
+              <a:rPr lang="en-US" sz="3200">
+                <a:latin typeface="Arial"/>
+              </a:rPr>
+              <a:t>Prior Work:</a:t>
+            </a:r>
+            <a:endParaRPr/>
+          </a:p>
+          <a:p>
+            <a:pPr lvl="1">
+              <a:buSzPct val="75000"/>
+              <a:buFont typeface="StarSymbol"/>
+              <a:buChar char=""/>
+            </a:pPr>
+            <a:r>
+              <a:rPr lang="en-US" sz="2800">
+                <a:latin typeface="Arial"/>
+              </a:rPr>
+              <a:t>Word2Vec {1}</a:t>
+            </a:r>
+            <a:endParaRPr/>
+          </a:p>
+          <a:p>
+            <a:pPr lvl="1">
+              <a:buSzPct val="75000"/>
+              <a:buFont typeface="StarSymbol"/>
+              <a:buChar char=""/>
+            </a:pPr>
+            <a:r>
+              <a:rPr lang="en-US" sz="2800">
+                <a:latin typeface="Arial"/>
+              </a:rPr>
+              <a:t>Stems / affixes in word representations, Nns {2}</a:t>
+            </a:r>
+            <a:endParaRPr/>
+          </a:p>
+          <a:p>
+            <a:pPr lvl="1">
+              <a:buSzPct val="75000"/>
+              <a:buFont typeface="StarSymbol"/>
+              <a:buChar char=""/>
+            </a:pPr>
+            <a:r>
+              <a:rPr lang="en-US" sz="2800">
+                <a:latin typeface="Arial"/>
+              </a:rPr>
+              <a:t>GloVe: matrix factorizations w/ CBOW, skip-grams {3}</a:t>
+            </a:r>
+            <a:endParaRPr/>
+          </a:p>
+          <a:p>
+            <a:pPr lvl="1">
+              <a:buSzPct val="75000"/>
+              <a:buFont typeface="StarSymbol"/>
+              <a:buChar char=""/>
+            </a:pPr>
+            <a:r>
+              <a:rPr lang="en-US" sz="2800">
+                <a:latin typeface="Arial"/>
+              </a:rPr>
+              <a:t>Using word embeddings to find synonyms {4}</a:t>
             </a:r>
             <a:endParaRPr/>
           </a:p>
@@ -3456,12 +3936,6 @@
           <a:bodyPr lIns="0" rIns="0" tIns="0" bIns="0" anchor="ctr"/>
           <a:p>
             <a:pPr algn="ctr"/>
-            <a:r>
-              <a:rPr lang="en-US" sz="4400">
-                <a:latin typeface="Arial"/>
-              </a:rPr>
-              <a:t>Data</a:t>
-            </a:r>
             <a:endParaRPr/>
           </a:p>
         </p:txBody>
@@ -3474,40 +3948,22 @@
         </p:nvSpPr>
         <p:spPr>
           <a:xfrm>
-            <a:off x="504000" y="1769040"/>
-            <a:ext cx="9071640" cy="4384440"/>
-          </a:xfrm>
-          <a:prstGeom prst="rect">
-            <a:avLst/>
-          </a:prstGeom>
-        </p:spPr>
-        <p:txBody>
-          <a:bodyPr lIns="0" rIns="0" tIns="0" bIns="0"/>
-          <a:p>
-            <a:pPr>
-              <a:buSzPct val="45000"/>
-              <a:buFont typeface="StarSymbol"/>
-              <a:buChar char=""/>
-            </a:pPr>
-            <a:r>
-              <a:rPr lang="en-US" sz="3200">
-                <a:latin typeface="Arial"/>
-              </a:rPr>
-              <a:t>We have data...</a:t>
-            </a:r>
-            <a:endParaRPr/>
-          </a:p>
-          <a:p>
-            <a:pPr>
-              <a:buSzPct val="45000"/>
-              <a:buFont typeface="StarSymbol"/>
-              <a:buChar char=""/>
-            </a:pPr>
-            <a:r>
-              <a:rPr lang="en-US" sz="3200">
-                <a:latin typeface="Arial"/>
-              </a:rPr>
-              <a:t>WordNet database – synsets from lemma / word_id</a:t>
+            <a:off x="504000" y="301320"/>
+            <a:ext cx="9071640" cy="5851800"/>
+          </a:xfrm>
+          <a:prstGeom prst="rect">
+            <a:avLst/>
+          </a:prstGeom>
+        </p:spPr>
+        <p:txBody>
+          <a:bodyPr lIns="0" rIns="0" tIns="0" bIns="0" anchor="ctr"/>
+          <a:p>
+            <a:pPr algn="ctr"/>
+            <a:r>
+              <a:rPr lang="en-US" sz="4800">
+                <a:latin typeface="Arial"/>
+              </a:rPr>
+              <a:t>Data</a:t>
             </a:r>
             <a:endParaRPr/>
           </a:p>

--- a/presentation.pptx
+++ b/presentation.pptx
@@ -1447,7 +1447,7 @@
           <a:bodyPr lIns="0" rIns="0" tIns="0" bIns="0"/>
           <a:p>
             <a:pPr algn="r"/>
-            <a:fld id="{9662B7D3-CE35-4928-AF3C-02218282663D}" type="slidenum">
+            <a:fld id="{53A5C279-7813-4827-AE2D-5AE779FE4EAC}" type="slidenum">
               <a:rPr lang="en-US" sz="1400">
                 <a:latin typeface="Times New Roman"/>
               </a:rPr>
@@ -1979,6 +1979,34 @@
                 <a:latin typeface="Arial"/>
               </a:rPr>
               <a:t>Compare variance captured w/ that from PCA on unaugmented? Vary size of subspace</a:t>
+            </a:r>
+            <a:endParaRPr/>
+          </a:p>
+          <a:p>
+            <a:pPr lvl="2">
+              <a:buSzPct val="45000"/>
+              <a:buFont typeface="StarSymbol"/>
+              <a:buChar char=""/>
+            </a:pPr>
+            <a:r>
+              <a:rPr lang="en-US" sz="2400">
+                <a:latin typeface="Arial"/>
+              </a:rPr>
+              <a:t>Random subset of vectors</a:t>
+            </a:r>
+            <a:endParaRPr/>
+          </a:p>
+          <a:p>
+            <a:pPr lvl="2">
+              <a:buSzPct val="45000"/>
+              <a:buFont typeface="StarSymbol"/>
+              <a:buChar char=""/>
+            </a:pPr>
+            <a:r>
+              <a:rPr lang="en-US" sz="2400">
+                <a:latin typeface="Arial"/>
+              </a:rPr>
+              <a:t>Words we know are related</a:t>
             </a:r>
             <a:endParaRPr/>
           </a:p>

--- a/presentation.pptx
+++ b/presentation.pptx
@@ -1447,7 +1447,7 @@
           <a:bodyPr lIns="0" rIns="0" tIns="0" bIns="0"/>
           <a:p>
             <a:pPr algn="r"/>
-            <a:fld id="{53A5C279-7813-4827-AE2D-5AE779FE4EAC}" type="slidenum">
+            <a:fld id="{BA8EC779-AC96-43D1-BA36-B3491785BEF2}" type="slidenum">
               <a:rPr lang="en-US" sz="1400">
                 <a:latin typeface="Times New Roman"/>
               </a:rPr>
@@ -3862,7 +3862,7 @@
               <a:rPr lang="en-US" sz="2800">
                 <a:latin typeface="Arial"/>
               </a:rPr>
-              <a:t>Stems / affixes in word representations, Nns {2}</a:t>
+              <a:t>Stems / affixes in word representations, NNs {2}</a:t>
             </a:r>
             <a:endParaRPr/>
           </a:p>
